--- a/document/力扣记录.pptx
+++ b/document/力扣记录.pptx
@@ -11,6 +11,9 @@
   </p:sldIdLst>
   <p:sldSz cx="12192000" cy="6858000"/>
   <p:notesSz cx="6858000" cy="9144000"/>
+  <p:custDataLst>
+    <p:tags r:id="rId9"/>
+  </p:custDataLst>
   <p:defaultTextStyle>
     <a:defPPr>
       <a:defRPr lang="zh-CN"/>
@@ -4351,9 +4354,642 @@
           <a:chExt cx="0" cy="0"/>
         </a:xfrm>
       </p:grpSpPr>
+      <p:pic>
+        <p:nvPicPr>
+          <p:cNvPr id="2" name="图片 1"/>
+          <p:cNvPicPr>
+            <a:picLocks noChangeAspect="1"/>
+          </p:cNvPicPr>
+          <p:nvPr/>
+        </p:nvPicPr>
+        <p:blipFill>
+          <a:blip r:embed="rId1"/>
+          <a:stretch>
+            <a:fillRect/>
+          </a:stretch>
+        </p:blipFill>
+        <p:spPr>
+          <a:xfrm>
+            <a:off x="3720465" y="831215"/>
+            <a:ext cx="4510405" cy="4633595"/>
+          </a:xfrm>
+          <a:prstGeom prst="rect">
+            <a:avLst/>
+          </a:prstGeom>
+        </p:spPr>
+      </p:pic>
+      <p:sp>
+        <p:nvSpPr>
+          <p:cNvPr id="3" name="文本框 2"/>
+          <p:cNvSpPr txBox="1"/>
+          <p:nvPr/>
+        </p:nvSpPr>
+        <p:spPr>
+          <a:xfrm>
+            <a:off x="4057650" y="1433830"/>
+            <a:ext cx="1381760" cy="245110"/>
+          </a:xfrm>
+          <a:prstGeom prst="rect">
+            <a:avLst/>
+          </a:prstGeom>
+          <a:noFill/>
+        </p:spPr>
+        <p:txBody>
+          <a:bodyPr wrap="square" rtlCol="0">
+            <a:spAutoFit/>
+          </a:bodyPr>
+          <a:p>
+            <a:r>
+              <a:rPr lang="zh-CN" altLang="en-US" sz="1000">
+                <a:solidFill>
+                  <a:srgbClr val="FF0000"/>
+                </a:solidFill>
+              </a:rPr>
+              <a:t>反向暴力</a:t>
+            </a:r>
+            <a:endParaRPr lang="zh-CN" altLang="en-US" sz="1000">
+              <a:solidFill>
+                <a:srgbClr val="FF0000"/>
+              </a:solidFill>
+            </a:endParaRPr>
+          </a:p>
+        </p:txBody>
+      </p:sp>
+      <p:sp>
+        <p:nvSpPr>
+          <p:cNvPr id="4" name="文本框 3"/>
+          <p:cNvSpPr txBox="1"/>
+          <p:nvPr/>
+        </p:nvSpPr>
+        <p:spPr>
+          <a:xfrm>
+            <a:off x="4057650" y="1960245"/>
+            <a:ext cx="1381760" cy="245110"/>
+          </a:xfrm>
+          <a:prstGeom prst="rect">
+            <a:avLst/>
+          </a:prstGeom>
+          <a:noFill/>
+        </p:spPr>
+        <p:txBody>
+          <a:bodyPr wrap="square" rtlCol="0">
+            <a:spAutoFit/>
+          </a:bodyPr>
+          <a:p>
+            <a:r>
+              <a:rPr lang="zh-CN" altLang="en-US" sz="1000">
+                <a:solidFill>
+                  <a:srgbClr val="FF0000"/>
+                </a:solidFill>
+              </a:rPr>
+              <a:t>马拉车</a:t>
+            </a:r>
+            <a:endParaRPr lang="zh-CN" altLang="en-US" sz="1000">
+              <a:solidFill>
+                <a:srgbClr val="FF0000"/>
+              </a:solidFill>
+            </a:endParaRPr>
+          </a:p>
+        </p:txBody>
+      </p:sp>
+      <p:sp>
+        <p:nvSpPr>
+          <p:cNvPr id="5" name="文本框 4"/>
+          <p:cNvSpPr txBox="1"/>
+          <p:nvPr/>
+        </p:nvSpPr>
+        <p:spPr>
+          <a:xfrm>
+            <a:off x="4057650" y="2461895"/>
+            <a:ext cx="1381760" cy="245110"/>
+          </a:xfrm>
+          <a:prstGeom prst="rect">
+            <a:avLst/>
+          </a:prstGeom>
+          <a:noFill/>
+        </p:spPr>
+        <p:txBody>
+          <a:bodyPr wrap="square" rtlCol="0">
+            <a:spAutoFit/>
+          </a:bodyPr>
+          <a:p>
+            <a:r>
+              <a:rPr lang="zh-CN" altLang="en-US" sz="1000">
+                <a:solidFill>
+                  <a:srgbClr val="FF0000"/>
+                </a:solidFill>
+                <a:sym typeface="+mn-ea"/>
+              </a:rPr>
+              <a:t>马拉车</a:t>
+            </a:r>
+            <a:endParaRPr lang="zh-CN" altLang="en-US" sz="1000">
+              <a:solidFill>
+                <a:srgbClr val="FF0000"/>
+              </a:solidFill>
+            </a:endParaRPr>
+          </a:p>
+        </p:txBody>
+      </p:sp>
+      <p:sp>
+        <p:nvSpPr>
+          <p:cNvPr id="6" name="文本框 5"/>
+          <p:cNvSpPr txBox="1"/>
+          <p:nvPr/>
+        </p:nvSpPr>
+        <p:spPr>
+          <a:xfrm>
+            <a:off x="4057650" y="2982595"/>
+            <a:ext cx="1381760" cy="245110"/>
+          </a:xfrm>
+          <a:prstGeom prst="rect">
+            <a:avLst/>
+          </a:prstGeom>
+          <a:noFill/>
+        </p:spPr>
+        <p:txBody>
+          <a:bodyPr wrap="square" rtlCol="0">
+            <a:spAutoFit/>
+          </a:bodyPr>
+          <a:p>
+            <a:r>
+              <a:rPr lang="zh-CN" altLang="en-US" sz="1000">
+                <a:solidFill>
+                  <a:srgbClr val="FF0000"/>
+                </a:solidFill>
+              </a:rPr>
+              <a:t>中心扩展</a:t>
+            </a:r>
+            <a:endParaRPr lang="zh-CN" altLang="en-US" sz="1000">
+              <a:solidFill>
+                <a:srgbClr val="FF0000"/>
+              </a:solidFill>
+            </a:endParaRPr>
+          </a:p>
+        </p:txBody>
+      </p:sp>
+      <p:sp>
+        <p:nvSpPr>
+          <p:cNvPr id="7" name="文本框 6"/>
+          <p:cNvSpPr txBox="1"/>
+          <p:nvPr/>
+        </p:nvSpPr>
+        <p:spPr>
+          <a:xfrm>
+            <a:off x="4057650" y="3489960"/>
+            <a:ext cx="1381760" cy="245110"/>
+          </a:xfrm>
+          <a:prstGeom prst="rect">
+            <a:avLst/>
+          </a:prstGeom>
+          <a:noFill/>
+        </p:spPr>
+        <p:txBody>
+          <a:bodyPr wrap="square" rtlCol="0">
+            <a:spAutoFit/>
+          </a:bodyPr>
+          <a:p>
+            <a:r>
+              <a:rPr lang="zh-CN" altLang="en-US" sz="1000">
+                <a:solidFill>
+                  <a:srgbClr val="FF0000"/>
+                </a:solidFill>
+              </a:rPr>
+              <a:t>一维</a:t>
+            </a:r>
+            <a:r>
+              <a:rPr lang="en-US" altLang="zh-CN" sz="1000">
+                <a:solidFill>
+                  <a:srgbClr val="FF0000"/>
+                </a:solidFill>
+              </a:rPr>
+              <a:t>DP</a:t>
+            </a:r>
+            <a:endParaRPr lang="en-US" altLang="zh-CN" sz="1000">
+              <a:solidFill>
+                <a:srgbClr val="FF0000"/>
+              </a:solidFill>
+            </a:endParaRPr>
+          </a:p>
+        </p:txBody>
+      </p:sp>
+      <p:sp>
+        <p:nvSpPr>
+          <p:cNvPr id="8" name="文本框 7"/>
+          <p:cNvSpPr txBox="1"/>
+          <p:nvPr/>
+        </p:nvSpPr>
+        <p:spPr>
+          <a:xfrm>
+            <a:off x="4057650" y="3989705"/>
+            <a:ext cx="1381760" cy="245110"/>
+          </a:xfrm>
+          <a:prstGeom prst="rect">
+            <a:avLst/>
+          </a:prstGeom>
+          <a:noFill/>
+        </p:spPr>
+        <p:txBody>
+          <a:bodyPr wrap="square" rtlCol="0">
+            <a:spAutoFit/>
+          </a:bodyPr>
+          <a:p>
+            <a:r>
+              <a:rPr lang="zh-CN" altLang="en-US" sz="1000">
+                <a:solidFill>
+                  <a:srgbClr val="FF0000"/>
+                </a:solidFill>
+              </a:rPr>
+              <a:t>二维</a:t>
+            </a:r>
+            <a:r>
+              <a:rPr lang="en-US" altLang="zh-CN" sz="1000">
+                <a:solidFill>
+                  <a:srgbClr val="FF0000"/>
+                </a:solidFill>
+              </a:rPr>
+              <a:t>DP</a:t>
+            </a:r>
+            <a:endParaRPr lang="en-US" altLang="zh-CN" sz="1000">
+              <a:solidFill>
+                <a:srgbClr val="FF0000"/>
+              </a:solidFill>
+            </a:endParaRPr>
+          </a:p>
+        </p:txBody>
+      </p:sp>
+      <p:sp>
+        <p:nvSpPr>
+          <p:cNvPr id="9" name="文本框 8"/>
+          <p:cNvSpPr txBox="1"/>
+          <p:nvPr/>
+        </p:nvSpPr>
+        <p:spPr>
+          <a:xfrm>
+            <a:off x="4057650" y="4504690"/>
+            <a:ext cx="1381760" cy="245110"/>
+          </a:xfrm>
+          <a:prstGeom prst="rect">
+            <a:avLst/>
+          </a:prstGeom>
+          <a:noFill/>
+        </p:spPr>
+        <p:txBody>
+          <a:bodyPr wrap="square" rtlCol="0">
+            <a:spAutoFit/>
+          </a:bodyPr>
+          <a:p>
+            <a:r>
+              <a:rPr lang="zh-CN" altLang="en-US" sz="1000">
+                <a:solidFill>
+                  <a:srgbClr val="FF0000"/>
+                </a:solidFill>
+              </a:rPr>
+              <a:t>枚举</a:t>
+            </a:r>
+            <a:endParaRPr lang="zh-CN" altLang="en-US" sz="1000">
+              <a:solidFill>
+                <a:srgbClr val="FF0000"/>
+              </a:solidFill>
+            </a:endParaRPr>
+          </a:p>
+        </p:txBody>
+      </p:sp>
+      <p:sp>
+        <p:nvSpPr>
+          <p:cNvPr id="10" name="文本框 9"/>
+          <p:cNvSpPr txBox="1"/>
+          <p:nvPr/>
+        </p:nvSpPr>
+        <p:spPr>
+          <a:xfrm>
+            <a:off x="4057650" y="5019675"/>
+            <a:ext cx="1381760" cy="245110"/>
+          </a:xfrm>
+          <a:prstGeom prst="rect">
+            <a:avLst/>
+          </a:prstGeom>
+          <a:noFill/>
+        </p:spPr>
+        <p:txBody>
+          <a:bodyPr wrap="square" rtlCol="0">
+            <a:spAutoFit/>
+          </a:bodyPr>
+          <a:p>
+            <a:r>
+              <a:rPr lang="zh-CN" altLang="en-US" sz="1000">
+                <a:solidFill>
+                  <a:srgbClr val="FF0000"/>
+                </a:solidFill>
+              </a:rPr>
+              <a:t>正向暴力</a:t>
+            </a:r>
+            <a:endParaRPr lang="zh-CN" altLang="en-US" sz="1000">
+              <a:solidFill>
+                <a:srgbClr val="FF0000"/>
+              </a:solidFill>
+            </a:endParaRPr>
+          </a:p>
+        </p:txBody>
+      </p:sp>
+      <p:sp>
+        <p:nvSpPr>
+          <p:cNvPr id="11" name="文本框 10"/>
+          <p:cNvSpPr txBox="1"/>
+          <p:nvPr/>
+        </p:nvSpPr>
+        <p:spPr>
+          <a:xfrm>
+            <a:off x="6090285" y="1433830"/>
+            <a:ext cx="1381760" cy="245110"/>
+          </a:xfrm>
+          <a:prstGeom prst="rect">
+            <a:avLst/>
+          </a:prstGeom>
+          <a:noFill/>
+        </p:spPr>
+        <p:txBody>
+          <a:bodyPr wrap="square" rtlCol="0">
+            <a:spAutoFit/>
+          </a:bodyPr>
+          <a:p>
+            <a:r>
+              <a:rPr lang="en-US" altLang="zh-CN" sz="1000">
+                <a:solidFill>
+                  <a:srgbClr val="FF0000"/>
+                </a:solidFill>
+              </a:rPr>
+              <a:t>180</a:t>
+            </a:r>
+            <a:endParaRPr lang="en-US" altLang="zh-CN" sz="1000">
+              <a:solidFill>
+                <a:srgbClr val="FF0000"/>
+              </a:solidFill>
+            </a:endParaRPr>
+          </a:p>
+        </p:txBody>
+      </p:sp>
+      <p:sp>
+        <p:nvSpPr>
+          <p:cNvPr id="12" name="文本框 11"/>
+          <p:cNvSpPr txBox="1"/>
+          <p:nvPr/>
+        </p:nvSpPr>
+        <p:spPr>
+          <a:xfrm>
+            <a:off x="6090285" y="1960245"/>
+            <a:ext cx="1381760" cy="245110"/>
+          </a:xfrm>
+          <a:prstGeom prst="rect">
+            <a:avLst/>
+          </a:prstGeom>
+          <a:noFill/>
+        </p:spPr>
+        <p:txBody>
+          <a:bodyPr wrap="square" rtlCol="0">
+            <a:spAutoFit/>
+          </a:bodyPr>
+          <a:p>
+            <a:r>
+              <a:rPr lang="en-US" altLang="zh-CN" sz="1000">
+                <a:solidFill>
+                  <a:srgbClr val="FF0000"/>
+                </a:solidFill>
+              </a:rPr>
+              <a:t>180</a:t>
+            </a:r>
+            <a:endParaRPr lang="en-US" altLang="zh-CN" sz="1000">
+              <a:solidFill>
+                <a:srgbClr val="FF0000"/>
+              </a:solidFill>
+            </a:endParaRPr>
+          </a:p>
+        </p:txBody>
+      </p:sp>
+      <p:sp>
+        <p:nvSpPr>
+          <p:cNvPr id="13" name="文本框 12"/>
+          <p:cNvSpPr txBox="1"/>
+          <p:nvPr/>
+        </p:nvSpPr>
+        <p:spPr>
+          <a:xfrm>
+            <a:off x="6090285" y="2461895"/>
+            <a:ext cx="1381760" cy="245110"/>
+          </a:xfrm>
+          <a:prstGeom prst="rect">
+            <a:avLst/>
+          </a:prstGeom>
+          <a:noFill/>
+        </p:spPr>
+        <p:txBody>
+          <a:bodyPr wrap="square" rtlCol="0">
+            <a:spAutoFit/>
+          </a:bodyPr>
+          <a:p>
+            <a:r>
+              <a:rPr lang="en-US" altLang="zh-CN" sz="1000">
+                <a:solidFill>
+                  <a:srgbClr val="FF0000"/>
+                </a:solidFill>
+              </a:rPr>
+              <a:t>180</a:t>
+            </a:r>
+            <a:endParaRPr lang="en-US" altLang="zh-CN" sz="1000">
+              <a:solidFill>
+                <a:srgbClr val="FF0000"/>
+              </a:solidFill>
+            </a:endParaRPr>
+          </a:p>
+        </p:txBody>
+      </p:sp>
+      <p:sp>
+        <p:nvSpPr>
+          <p:cNvPr id="14" name="文本框 13"/>
+          <p:cNvSpPr txBox="1"/>
+          <p:nvPr/>
+        </p:nvSpPr>
+        <p:spPr>
+          <a:xfrm>
+            <a:off x="6090285" y="2982595"/>
+            <a:ext cx="1381760" cy="245110"/>
+          </a:xfrm>
+          <a:prstGeom prst="rect">
+            <a:avLst/>
+          </a:prstGeom>
+          <a:noFill/>
+        </p:spPr>
+        <p:txBody>
+          <a:bodyPr wrap="square" rtlCol="0">
+            <a:spAutoFit/>
+          </a:bodyPr>
+          <a:p>
+            <a:r>
+              <a:rPr lang="en-US" altLang="zh-CN" sz="1000">
+                <a:solidFill>
+                  <a:srgbClr val="FF0000"/>
+                </a:solidFill>
+              </a:rPr>
+              <a:t>180</a:t>
+            </a:r>
+            <a:endParaRPr lang="en-US" altLang="zh-CN" sz="1000">
+              <a:solidFill>
+                <a:srgbClr val="FF0000"/>
+              </a:solidFill>
+            </a:endParaRPr>
+          </a:p>
+        </p:txBody>
+      </p:sp>
+      <p:sp>
+        <p:nvSpPr>
+          <p:cNvPr id="15" name="文本框 14"/>
+          <p:cNvSpPr txBox="1"/>
+          <p:nvPr/>
+        </p:nvSpPr>
+        <p:spPr>
+          <a:xfrm>
+            <a:off x="6090285" y="3489960"/>
+            <a:ext cx="1381760" cy="245110"/>
+          </a:xfrm>
+          <a:prstGeom prst="rect">
+            <a:avLst/>
+          </a:prstGeom>
+          <a:noFill/>
+        </p:spPr>
+        <p:txBody>
+          <a:bodyPr wrap="square" rtlCol="0">
+            <a:spAutoFit/>
+          </a:bodyPr>
+          <a:p>
+            <a:r>
+              <a:rPr lang="en-US" altLang="zh-CN" sz="1000">
+                <a:solidFill>
+                  <a:srgbClr val="FF0000"/>
+                </a:solidFill>
+              </a:rPr>
+              <a:t>180</a:t>
+            </a:r>
+            <a:endParaRPr lang="en-US" altLang="zh-CN" sz="1000">
+              <a:solidFill>
+                <a:srgbClr val="FF0000"/>
+              </a:solidFill>
+            </a:endParaRPr>
+          </a:p>
+        </p:txBody>
+      </p:sp>
+      <p:sp>
+        <p:nvSpPr>
+          <p:cNvPr id="16" name="文本框 15"/>
+          <p:cNvSpPr txBox="1"/>
+          <p:nvPr/>
+        </p:nvSpPr>
+        <p:spPr>
+          <a:xfrm>
+            <a:off x="6090285" y="3989705"/>
+            <a:ext cx="1381760" cy="245110"/>
+          </a:xfrm>
+          <a:prstGeom prst="rect">
+            <a:avLst/>
+          </a:prstGeom>
+          <a:noFill/>
+        </p:spPr>
+        <p:txBody>
+          <a:bodyPr wrap="square" rtlCol="0">
+            <a:spAutoFit/>
+          </a:bodyPr>
+          <a:p>
+            <a:r>
+              <a:rPr lang="en-US" altLang="zh-CN" sz="1000">
+                <a:solidFill>
+                  <a:srgbClr val="FF0000"/>
+                </a:solidFill>
+              </a:rPr>
+              <a:t>180</a:t>
+            </a:r>
+            <a:endParaRPr lang="en-US" altLang="zh-CN" sz="1000">
+              <a:solidFill>
+                <a:srgbClr val="FF0000"/>
+              </a:solidFill>
+            </a:endParaRPr>
+          </a:p>
+        </p:txBody>
+      </p:sp>
+      <p:sp>
+        <p:nvSpPr>
+          <p:cNvPr id="17" name="文本框 16"/>
+          <p:cNvSpPr txBox="1"/>
+          <p:nvPr/>
+        </p:nvSpPr>
+        <p:spPr>
+          <a:xfrm>
+            <a:off x="6090285" y="4504690"/>
+            <a:ext cx="1381760" cy="245110"/>
+          </a:xfrm>
+          <a:prstGeom prst="rect">
+            <a:avLst/>
+          </a:prstGeom>
+          <a:noFill/>
+        </p:spPr>
+        <p:txBody>
+          <a:bodyPr wrap="square" rtlCol="0">
+            <a:spAutoFit/>
+          </a:bodyPr>
+          <a:p>
+            <a:r>
+              <a:rPr lang="en-US" altLang="zh-CN" sz="1000">
+                <a:solidFill>
+                  <a:srgbClr val="FF0000"/>
+                </a:solidFill>
+              </a:rPr>
+              <a:t>140</a:t>
+            </a:r>
+            <a:endParaRPr lang="en-US" altLang="zh-CN" sz="1000">
+              <a:solidFill>
+                <a:srgbClr val="FF0000"/>
+              </a:solidFill>
+            </a:endParaRPr>
+          </a:p>
+        </p:txBody>
+      </p:sp>
+      <p:sp>
+        <p:nvSpPr>
+          <p:cNvPr id="18" name="文本框 17"/>
+          <p:cNvSpPr txBox="1"/>
+          <p:nvPr/>
+        </p:nvSpPr>
+        <p:spPr>
+          <a:xfrm>
+            <a:off x="6090285" y="5019675"/>
+            <a:ext cx="1381760" cy="245110"/>
+          </a:xfrm>
+          <a:prstGeom prst="rect">
+            <a:avLst/>
+          </a:prstGeom>
+          <a:noFill/>
+        </p:spPr>
+        <p:txBody>
+          <a:bodyPr wrap="square" rtlCol="0">
+            <a:spAutoFit/>
+          </a:bodyPr>
+          <a:p>
+            <a:r>
+              <a:rPr lang="en-US" altLang="zh-CN" sz="1000">
+                <a:solidFill>
+                  <a:srgbClr val="FF0000"/>
+                </a:solidFill>
+              </a:rPr>
+              <a:t>140</a:t>
+            </a:r>
+            <a:endParaRPr lang="en-US" altLang="zh-CN" sz="1000">
+              <a:solidFill>
+                <a:srgbClr val="FF0000"/>
+              </a:solidFill>
+            </a:endParaRPr>
+          </a:p>
+        </p:txBody>
+      </p:sp>
     </p:spTree>
     <p:custDataLst>
-      <p:tags r:id="rId1"/>
+      <p:tags r:id="rId2"/>
     </p:custDataLst>
   </p:cSld>
   <p:clrMapOvr>
@@ -5230,6 +5866,12 @@
   <p:tag name="KSO_WM_SLIDE_LAYOUT_CNT" val="1_1"/>
   <p:tag name="KSO_WM_UNIT_SHOW_EDIT_AREA_INDICATION" val="1"/>
   <p:tag name="KSO_WM_TEMPLATE_THUMBS_INDEX" val="1、4、7、12、13、14、15、16、17、18、20、24、25、28、33、36、40、43、44"/>
+</p:tagLst>
+</file>
+
+<file path=ppt/tags/tag66.xml><?xml version="1.0" encoding="utf-8"?>
+<p:tagLst xmlns:p="http://schemas.openxmlformats.org/presentationml/2006/main">
+  <p:tag name="COMMONDATA" val="eyJoZGlkIjoiZWIwMjU4MGJjMDdkMjQyNmRkODNlYzdiYzNlY2FhZTUifQ=="/>
 </p:tagLst>
 </file>
 
